--- a/slides/overflow.pptx
+++ b/slides/overflow.pptx
@@ -5,21 +5,22 @@
     <p:sldMasterId id="2147483648" r:id="rId1"/>
   </p:sldMasterIdLst>
   <p:notesMasterIdLst>
-    <p:notesMasterId r:id="rId14"/>
+    <p:notesMasterId r:id="rId15"/>
   </p:notesMasterIdLst>
   <p:sldIdLst>
     <p:sldId id="256" r:id="rId2"/>
-    <p:sldId id="257" r:id="rId3"/>
-    <p:sldId id="258" r:id="rId4"/>
-    <p:sldId id="259" r:id="rId5"/>
-    <p:sldId id="260" r:id="rId6"/>
-    <p:sldId id="261" r:id="rId7"/>
-    <p:sldId id="262" r:id="rId8"/>
-    <p:sldId id="263" r:id="rId9"/>
-    <p:sldId id="264" r:id="rId10"/>
-    <p:sldId id="265" r:id="rId11"/>
-    <p:sldId id="266" r:id="rId12"/>
-    <p:sldId id="267" r:id="rId13"/>
+    <p:sldId id="268" r:id="rId3"/>
+    <p:sldId id="257" r:id="rId4"/>
+    <p:sldId id="258" r:id="rId5"/>
+    <p:sldId id="259" r:id="rId6"/>
+    <p:sldId id="260" r:id="rId7"/>
+    <p:sldId id="261" r:id="rId8"/>
+    <p:sldId id="262" r:id="rId9"/>
+    <p:sldId id="263" r:id="rId10"/>
+    <p:sldId id="264" r:id="rId11"/>
+    <p:sldId id="265" r:id="rId12"/>
+    <p:sldId id="266" r:id="rId13"/>
+    <p:sldId id="267" r:id="rId14"/>
   </p:sldIdLst>
   <p:sldSz cx="12192000" cy="6858000"/>
   <p:notesSz cx="6858000" cy="9144000"/>
@@ -208,7 +209,7 @@
           <a:p>
             <a:fld id="{ED16988A-7E9F-7B43-A741-96C0E72AF6A6}" type="datetimeFigureOut">
               <a:rPr lang="en-US" smtClean="0"/>
-              <a:t>9/19/17</a:t>
+              <a:t>9/26/17</a:t>
             </a:fld>
             <a:endParaRPr lang="en-US"/>
           </a:p>
@@ -541,7 +542,7 @@
           <a:p>
             <a:fld id="{35F455D7-87FC-9642-BFAF-719C44C24338}" type="slidenum">
               <a:rPr lang="en-US" smtClean="0"/>
-              <a:t>3</a:t>
+              <a:t>4</a:t>
             </a:fld>
             <a:endParaRPr lang="en-US"/>
           </a:p>
@@ -625,7 +626,7 @@
           <a:p>
             <a:fld id="{35F455D7-87FC-9642-BFAF-719C44C24338}" type="slidenum">
               <a:rPr lang="en-US" smtClean="0"/>
-              <a:t>6</a:t>
+              <a:t>7</a:t>
             </a:fld>
             <a:endParaRPr lang="en-US"/>
           </a:p>
@@ -709,7 +710,7 @@
           <a:p>
             <a:fld id="{35F455D7-87FC-9642-BFAF-719C44C24338}" type="slidenum">
               <a:rPr lang="en-US" smtClean="0"/>
-              <a:t>12</a:t>
+              <a:t>13</a:t>
             </a:fld>
             <a:endParaRPr lang="en-US"/>
           </a:p>
@@ -859,7 +860,7 @@
           <a:p>
             <a:fld id="{15D31F58-04CA-2B48-B4E5-CF1AC26F05B3}" type="datetimeFigureOut">
               <a:rPr lang="en-US" smtClean="0"/>
-              <a:t>9/19/17</a:t>
+              <a:t>9/26/17</a:t>
             </a:fld>
             <a:endParaRPr lang="en-US"/>
           </a:p>
@@ -1029,7 +1030,7 @@
           <a:p>
             <a:fld id="{15D31F58-04CA-2B48-B4E5-CF1AC26F05B3}" type="datetimeFigureOut">
               <a:rPr lang="en-US" smtClean="0"/>
-              <a:t>9/19/17</a:t>
+              <a:t>9/26/17</a:t>
             </a:fld>
             <a:endParaRPr lang="en-US"/>
           </a:p>
@@ -1209,7 +1210,7 @@
           <a:p>
             <a:fld id="{15D31F58-04CA-2B48-B4E5-CF1AC26F05B3}" type="datetimeFigureOut">
               <a:rPr lang="en-US" smtClean="0"/>
-              <a:t>9/19/17</a:t>
+              <a:t>9/26/17</a:t>
             </a:fld>
             <a:endParaRPr lang="en-US"/>
           </a:p>
@@ -1379,7 +1380,7 @@
           <a:p>
             <a:fld id="{15D31F58-04CA-2B48-B4E5-CF1AC26F05B3}" type="datetimeFigureOut">
               <a:rPr lang="en-US" smtClean="0"/>
-              <a:t>9/19/17</a:t>
+              <a:t>9/26/17</a:t>
             </a:fld>
             <a:endParaRPr lang="en-US"/>
           </a:p>
@@ -1625,7 +1626,7 @@
           <a:p>
             <a:fld id="{15D31F58-04CA-2B48-B4E5-CF1AC26F05B3}" type="datetimeFigureOut">
               <a:rPr lang="en-US" smtClean="0"/>
-              <a:t>9/19/17</a:t>
+              <a:t>9/26/17</a:t>
             </a:fld>
             <a:endParaRPr lang="en-US"/>
           </a:p>
@@ -1857,7 +1858,7 @@
           <a:p>
             <a:fld id="{15D31F58-04CA-2B48-B4E5-CF1AC26F05B3}" type="datetimeFigureOut">
               <a:rPr lang="en-US" smtClean="0"/>
-              <a:t>9/19/17</a:t>
+              <a:t>9/26/17</a:t>
             </a:fld>
             <a:endParaRPr lang="en-US"/>
           </a:p>
@@ -2224,7 +2225,7 @@
           <a:p>
             <a:fld id="{15D31F58-04CA-2B48-B4E5-CF1AC26F05B3}" type="datetimeFigureOut">
               <a:rPr lang="en-US" smtClean="0"/>
-              <a:t>9/19/17</a:t>
+              <a:t>9/26/17</a:t>
             </a:fld>
             <a:endParaRPr lang="en-US"/>
           </a:p>
@@ -2342,7 +2343,7 @@
           <a:p>
             <a:fld id="{15D31F58-04CA-2B48-B4E5-CF1AC26F05B3}" type="datetimeFigureOut">
               <a:rPr lang="en-US" smtClean="0"/>
-              <a:t>9/19/17</a:t>
+              <a:t>9/26/17</a:t>
             </a:fld>
             <a:endParaRPr lang="en-US"/>
           </a:p>
@@ -2437,7 +2438,7 @@
           <a:p>
             <a:fld id="{15D31F58-04CA-2B48-B4E5-CF1AC26F05B3}" type="datetimeFigureOut">
               <a:rPr lang="en-US" smtClean="0"/>
-              <a:t>9/19/17</a:t>
+              <a:t>9/26/17</a:t>
             </a:fld>
             <a:endParaRPr lang="en-US"/>
           </a:p>
@@ -2714,7 +2715,7 @@
           <a:p>
             <a:fld id="{15D31F58-04CA-2B48-B4E5-CF1AC26F05B3}" type="datetimeFigureOut">
               <a:rPr lang="en-US" smtClean="0"/>
-              <a:t>9/19/17</a:t>
+              <a:t>9/26/17</a:t>
             </a:fld>
             <a:endParaRPr lang="en-US"/>
           </a:p>
@@ -2967,7 +2968,7 @@
           <a:p>
             <a:fld id="{15D31F58-04CA-2B48-B4E5-CF1AC26F05B3}" type="datetimeFigureOut">
               <a:rPr lang="en-US" smtClean="0"/>
-              <a:t>9/19/17</a:t>
+              <a:t>9/26/17</a:t>
             </a:fld>
             <a:endParaRPr lang="en-US"/>
           </a:p>
@@ -3180,7 +3181,7 @@
           <a:p>
             <a:fld id="{15D31F58-04CA-2B48-B4E5-CF1AC26F05B3}" type="datetimeFigureOut">
               <a:rPr lang="en-US" smtClean="0"/>
-              <a:t>9/19/17</a:t>
+              <a:t>9/26/17</a:t>
             </a:fld>
             <a:endParaRPr lang="en-US"/>
           </a:p>
@@ -3677,12 +3678,20 @@
           <a:lstStyle/>
           <a:p>
             <a:r>
+              <a:rPr lang="en-US" dirty="0" smtClean="0">
+                <a:latin typeface="Monaco" charset="0"/>
+                <a:ea typeface="Monaco" charset="0"/>
+                <a:cs typeface="Monaco" charset="0"/>
+              </a:rPr>
+              <a:t>unite() </a:t>
+            </a:r>
+            <a:r>
+              <a:rPr lang="mr-IN" dirty="0" smtClean="0"/>
+              <a:t>…</a:t>
+            </a:r>
+            <a:r>
               <a:rPr lang="en-US" dirty="0" smtClean="0"/>
-              <a:t>Brief return to </a:t>
-            </a:r>
-            <a:r>
-              <a:rPr lang="en-US" dirty="0" err="1" smtClean="0"/>
-              <a:t>dplyr</a:t>
+              <a:t>unites columns</a:t>
             </a:r>
             <a:endParaRPr lang="en-US" dirty="0"/>
           </a:p>
@@ -3690,60 +3699,425 @@
       </p:sp>
       <p:sp>
         <p:nvSpPr>
-          <p:cNvPr id="3" name="Content Placeholder 2"/>
-          <p:cNvSpPr>
-            <a:spLocks noGrp="1"/>
-          </p:cNvSpPr>
-          <p:nvPr>
-            <p:ph idx="1"/>
-          </p:nvPr>
-        </p:nvSpPr>
-        <p:spPr/>
-        <p:txBody>
-          <a:bodyPr/>
+          <p:cNvPr id="4" name="TextBox 3"/>
+          <p:cNvSpPr txBox="1"/>
+          <p:nvPr/>
+        </p:nvSpPr>
+        <p:spPr>
+          <a:xfrm>
+            <a:off x="107817" y="2208236"/>
+            <a:ext cx="6813665" cy="2308324"/>
+          </a:xfrm>
+          <a:prstGeom prst="rect">
+            <a:avLst/>
+          </a:prstGeom>
+          <a:noFill/>
+        </p:spPr>
+        <p:txBody>
+          <a:bodyPr wrap="square" rtlCol="0">
+            <a:spAutoFit/>
+          </a:bodyPr>
           <a:lstStyle/>
           <a:p>
-            <a:r>
-              <a:rPr lang="en-US" dirty="0" smtClean="0"/>
-              <a:t>Joining related data frames</a:t>
-            </a:r>
-          </a:p>
-          <a:p>
-            <a:endParaRPr lang="en-US" dirty="0"/>
-          </a:p>
-          <a:p>
-            <a:r>
-              <a:rPr lang="en-US" dirty="0" err="1" smtClean="0"/>
-              <a:t>inner_join</a:t>
-            </a:r>
-            <a:r>
-              <a:rPr lang="en-US" dirty="0" smtClean="0"/>
-              <a:t>()</a:t>
-            </a:r>
-          </a:p>
-          <a:p>
-            <a:r>
-              <a:rPr lang="en-US" dirty="0" err="1" smtClean="0"/>
-              <a:t>outer_join</a:t>
-            </a:r>
-            <a:r>
-              <a:rPr lang="en-US" dirty="0" smtClean="0"/>
-              <a:t>()</a:t>
-            </a:r>
-          </a:p>
-          <a:p>
-            <a:r>
-              <a:rPr lang="en-US" dirty="0" smtClean="0"/>
-              <a:t>left_join()</a:t>
-            </a:r>
-            <a:endParaRPr lang="en-US" dirty="0"/>
+            <a:pPr lvl="1"/>
+            <a:r>
+              <a:rPr lang="is-IS" b="1" dirty="0" smtClean="0">
+                <a:latin typeface="Monaco" charset="0"/>
+                <a:ea typeface="Monaco" charset="0"/>
+                <a:cs typeface="Monaco" charset="0"/>
+              </a:rPr>
+              <a:t>tree treat</a:t>
+            </a:r>
+            <a:r>
+              <a:rPr lang="is-IS" b="1" dirty="0">
+                <a:latin typeface="Monaco" charset="0"/>
+                <a:ea typeface="Monaco" charset="0"/>
+                <a:cs typeface="Monaco" charset="0"/>
+              </a:rPr>
+              <a:t>  </a:t>
+            </a:r>
+            <a:r>
+              <a:rPr lang="is-IS" b="1" dirty="0" smtClean="0">
+                <a:latin typeface="Monaco" charset="0"/>
+                <a:ea typeface="Monaco" charset="0"/>
+                <a:cs typeface="Monaco" charset="0"/>
+              </a:rPr>
+              <a:t>time</a:t>
+            </a:r>
+            <a:r>
+              <a:rPr lang="is-IS" b="1" dirty="0">
+                <a:latin typeface="Monaco" charset="0"/>
+                <a:ea typeface="Monaco" charset="0"/>
+                <a:cs typeface="Monaco" charset="0"/>
+              </a:rPr>
+              <a:t> </a:t>
+            </a:r>
+            <a:r>
+              <a:rPr lang="is-IS" b="1" dirty="0" smtClean="0">
+                <a:latin typeface="Monaco" charset="0"/>
+                <a:ea typeface="Monaco" charset="0"/>
+                <a:cs typeface="Monaco" charset="0"/>
+              </a:rPr>
+              <a:t>  measure</a:t>
+            </a:r>
+            <a:r>
+              <a:rPr lang="is-IS" b="1" dirty="0">
+                <a:latin typeface="Monaco" charset="0"/>
+                <a:ea typeface="Monaco" charset="0"/>
+                <a:cs typeface="Monaco" charset="0"/>
+              </a:rPr>
+              <a:t> </a:t>
+            </a:r>
+            <a:endParaRPr lang="is-IS" b="1" dirty="0" smtClean="0">
+              <a:latin typeface="Monaco" charset="0"/>
+              <a:ea typeface="Monaco" charset="0"/>
+              <a:cs typeface="Monaco" charset="0"/>
+            </a:endParaRPr>
+          </a:p>
+          <a:p>
+            <a:pPr lvl="1"/>
+            <a:r>
+              <a:rPr lang="is-IS" dirty="0" smtClean="0">
+                <a:latin typeface="Monaco" charset="0"/>
+                <a:ea typeface="Monaco" charset="0"/>
+                <a:cs typeface="Monaco" charset="0"/>
+              </a:rPr>
+              <a:t>1 </a:t>
+            </a:r>
+            <a:r>
+              <a:rPr lang="is-IS" dirty="0">
+                <a:latin typeface="Monaco" charset="0"/>
+                <a:ea typeface="Monaco" charset="0"/>
+                <a:cs typeface="Monaco" charset="0"/>
+              </a:rPr>
+              <a:t>  ozone </a:t>
+            </a:r>
+            <a:r>
+              <a:rPr lang="is-IS" dirty="0" smtClean="0">
+                <a:latin typeface="Monaco" charset="0"/>
+                <a:ea typeface="Monaco" charset="0"/>
+                <a:cs typeface="Monaco" charset="0"/>
+              </a:rPr>
+              <a:t>  t152   4.51</a:t>
+            </a:r>
+          </a:p>
+          <a:p>
+            <a:pPr lvl="1"/>
+            <a:r>
+              <a:rPr lang="is-IS" dirty="0">
+                <a:latin typeface="Monaco" charset="0"/>
+                <a:ea typeface="Monaco" charset="0"/>
+                <a:cs typeface="Monaco" charset="0"/>
+              </a:rPr>
+              <a:t>1</a:t>
+            </a:r>
+            <a:r>
+              <a:rPr lang="is-IS" dirty="0" smtClean="0">
+                <a:latin typeface="Monaco" charset="0"/>
+                <a:ea typeface="Monaco" charset="0"/>
+                <a:cs typeface="Monaco" charset="0"/>
+              </a:rPr>
+              <a:t>   ozone   t174   4.98</a:t>
+            </a:r>
+          </a:p>
+          <a:p>
+            <a:pPr lvl="1"/>
+            <a:r>
+              <a:rPr lang="is-IS" dirty="0">
+                <a:latin typeface="Monaco" charset="0"/>
+                <a:ea typeface="Monaco" charset="0"/>
+                <a:cs typeface="Monaco" charset="0"/>
+              </a:rPr>
+              <a:t>1</a:t>
+            </a:r>
+            <a:r>
+              <a:rPr lang="is-IS" dirty="0" smtClean="0">
+                <a:latin typeface="Monaco" charset="0"/>
+                <a:ea typeface="Monaco" charset="0"/>
+                <a:cs typeface="Monaco" charset="0"/>
+              </a:rPr>
+              <a:t>   ozone   t201   5.41</a:t>
+            </a:r>
+          </a:p>
+          <a:p>
+            <a:pPr lvl="1"/>
+            <a:r>
+              <a:rPr lang="is-IS" dirty="0" smtClean="0">
+                <a:latin typeface="Monaco" charset="0"/>
+                <a:ea typeface="Monaco" charset="0"/>
+                <a:cs typeface="Monaco" charset="0"/>
+              </a:rPr>
+              <a:t>1   ozone   t227   5.90</a:t>
+            </a:r>
+          </a:p>
+          <a:p>
+            <a:pPr lvl="1"/>
+            <a:r>
+              <a:rPr lang="is-IS" dirty="0" smtClean="0">
+                <a:latin typeface="Monaco" charset="0"/>
+                <a:ea typeface="Monaco" charset="0"/>
+                <a:cs typeface="Monaco" charset="0"/>
+              </a:rPr>
+              <a:t>1   ozone   t258   6.15</a:t>
+            </a:r>
+          </a:p>
+          <a:p>
+            <a:pPr lvl="1"/>
+            <a:r>
+              <a:rPr lang="is-IS" dirty="0" smtClean="0">
+                <a:latin typeface="Monaco" charset="0"/>
+                <a:ea typeface="Monaco" charset="0"/>
+                <a:cs typeface="Monaco" charset="0"/>
+              </a:rPr>
+              <a:t>...</a:t>
+            </a:r>
+          </a:p>
+          <a:p>
+            <a:pPr lvl="1"/>
+            <a:endParaRPr lang="is-IS" dirty="0">
+              <a:latin typeface="Monaco" charset="0"/>
+              <a:ea typeface="Monaco" charset="0"/>
+              <a:cs typeface="Monaco" charset="0"/>
+            </a:endParaRPr>
+          </a:p>
+        </p:txBody>
+      </p:sp>
+      <p:sp>
+        <p:nvSpPr>
+          <p:cNvPr id="5" name="TextBox 4"/>
+          <p:cNvSpPr txBox="1"/>
+          <p:nvPr/>
+        </p:nvSpPr>
+        <p:spPr>
+          <a:xfrm>
+            <a:off x="5692513" y="2392901"/>
+            <a:ext cx="5893071" cy="1200329"/>
+          </a:xfrm>
+          <a:prstGeom prst="rect">
+            <a:avLst/>
+          </a:prstGeom>
+          <a:noFill/>
+        </p:spPr>
+        <p:txBody>
+          <a:bodyPr wrap="square" rtlCol="0">
+            <a:spAutoFit/>
+          </a:bodyPr>
+          <a:lstStyle/>
+          <a:p>
+            <a:pPr lvl="1"/>
+            <a:r>
+              <a:rPr lang="is-IS" b="1" dirty="0" smtClean="0">
+                <a:latin typeface="Monaco" charset="0"/>
+                <a:ea typeface="Monaco" charset="0"/>
+                <a:cs typeface="Monaco" charset="0"/>
+              </a:rPr>
+              <a:t>tree treat</a:t>
+            </a:r>
+            <a:r>
+              <a:rPr lang="is-IS" b="1" dirty="0">
+                <a:latin typeface="Monaco" charset="0"/>
+                <a:ea typeface="Monaco" charset="0"/>
+                <a:cs typeface="Monaco" charset="0"/>
+              </a:rPr>
+              <a:t>  </a:t>
+            </a:r>
+            <a:r>
+              <a:rPr lang="is-IS" b="1" dirty="0" smtClean="0">
+                <a:latin typeface="Monaco" charset="0"/>
+                <a:ea typeface="Monaco" charset="0"/>
+                <a:cs typeface="Monaco" charset="0"/>
+              </a:rPr>
+              <a:t>t152</a:t>
+            </a:r>
+            <a:r>
+              <a:rPr lang="is-IS" b="1" dirty="0">
+                <a:latin typeface="Monaco" charset="0"/>
+                <a:ea typeface="Monaco" charset="0"/>
+                <a:cs typeface="Monaco" charset="0"/>
+              </a:rPr>
+              <a:t> </a:t>
+            </a:r>
+            <a:r>
+              <a:rPr lang="is-IS" b="1" dirty="0" smtClean="0">
+                <a:latin typeface="Monaco" charset="0"/>
+                <a:ea typeface="Monaco" charset="0"/>
+                <a:cs typeface="Monaco" charset="0"/>
+              </a:rPr>
+              <a:t>t174</a:t>
+            </a:r>
+            <a:r>
+              <a:rPr lang="is-IS" b="1" dirty="0">
+                <a:latin typeface="Monaco" charset="0"/>
+                <a:ea typeface="Monaco" charset="0"/>
+                <a:cs typeface="Monaco" charset="0"/>
+              </a:rPr>
+              <a:t> </a:t>
+            </a:r>
+            <a:r>
+              <a:rPr lang="is-IS" b="1" dirty="0" smtClean="0">
+                <a:latin typeface="Monaco" charset="0"/>
+                <a:ea typeface="Monaco" charset="0"/>
+                <a:cs typeface="Monaco" charset="0"/>
+              </a:rPr>
+              <a:t>t201</a:t>
+            </a:r>
+            <a:r>
+              <a:rPr lang="is-IS" b="1" dirty="0">
+                <a:latin typeface="Monaco" charset="0"/>
+                <a:ea typeface="Monaco" charset="0"/>
+                <a:cs typeface="Monaco" charset="0"/>
+              </a:rPr>
+              <a:t> </a:t>
+            </a:r>
+            <a:r>
+              <a:rPr lang="is-IS" b="1" dirty="0" smtClean="0">
+                <a:latin typeface="Monaco" charset="0"/>
+                <a:ea typeface="Monaco" charset="0"/>
+                <a:cs typeface="Monaco" charset="0"/>
+              </a:rPr>
+              <a:t>t227</a:t>
+            </a:r>
+            <a:r>
+              <a:rPr lang="is-IS" b="1" dirty="0">
+                <a:latin typeface="Monaco" charset="0"/>
+                <a:ea typeface="Monaco" charset="0"/>
+                <a:cs typeface="Monaco" charset="0"/>
+              </a:rPr>
+              <a:t> </a:t>
+            </a:r>
+            <a:r>
+              <a:rPr lang="is-IS" b="1" dirty="0" smtClean="0">
+                <a:latin typeface="Monaco" charset="0"/>
+                <a:ea typeface="Monaco" charset="0"/>
+                <a:cs typeface="Monaco" charset="0"/>
+              </a:rPr>
+              <a:t>t258</a:t>
+            </a:r>
+          </a:p>
+          <a:p>
+            <a:pPr lvl="1"/>
+            <a:r>
+              <a:rPr lang="is-IS" dirty="0" smtClean="0">
+                <a:latin typeface="Monaco" charset="0"/>
+                <a:ea typeface="Monaco" charset="0"/>
+                <a:cs typeface="Monaco" charset="0"/>
+              </a:rPr>
+              <a:t>1 </a:t>
+            </a:r>
+            <a:r>
+              <a:rPr lang="is-IS" dirty="0">
+                <a:latin typeface="Monaco" charset="0"/>
+                <a:ea typeface="Monaco" charset="0"/>
+                <a:cs typeface="Monaco" charset="0"/>
+              </a:rPr>
+              <a:t>  ozone </a:t>
+            </a:r>
+            <a:r>
+              <a:rPr lang="is-IS" dirty="0" smtClean="0">
+                <a:latin typeface="Monaco" charset="0"/>
+                <a:ea typeface="Monaco" charset="0"/>
+                <a:cs typeface="Monaco" charset="0"/>
+              </a:rPr>
+              <a:t>  4.51 </a:t>
+            </a:r>
+            <a:r>
+              <a:rPr lang="is-IS" dirty="0">
+                <a:latin typeface="Monaco" charset="0"/>
+                <a:ea typeface="Monaco" charset="0"/>
+                <a:cs typeface="Monaco" charset="0"/>
+              </a:rPr>
+              <a:t>4.98 5.41 5.90 6.15</a:t>
+            </a:r>
+          </a:p>
+          <a:p>
+            <a:pPr lvl="1"/>
+            <a:r>
+              <a:rPr lang="is-IS" dirty="0" smtClean="0">
+                <a:latin typeface="Monaco" charset="0"/>
+                <a:ea typeface="Monaco" charset="0"/>
+                <a:cs typeface="Monaco" charset="0"/>
+              </a:rPr>
+              <a:t>2 </a:t>
+            </a:r>
+            <a:r>
+              <a:rPr lang="is-IS" dirty="0">
+                <a:latin typeface="Monaco" charset="0"/>
+                <a:ea typeface="Monaco" charset="0"/>
+                <a:cs typeface="Monaco" charset="0"/>
+              </a:rPr>
+              <a:t>  ozone </a:t>
+            </a:r>
+            <a:r>
+              <a:rPr lang="is-IS" dirty="0" smtClean="0">
+                <a:latin typeface="Monaco" charset="0"/>
+                <a:ea typeface="Monaco" charset="0"/>
+                <a:cs typeface="Monaco" charset="0"/>
+              </a:rPr>
+              <a:t>  4.24 </a:t>
+            </a:r>
+            <a:r>
+              <a:rPr lang="is-IS" dirty="0">
+                <a:latin typeface="Monaco" charset="0"/>
+                <a:ea typeface="Monaco" charset="0"/>
+                <a:cs typeface="Monaco" charset="0"/>
+              </a:rPr>
+              <a:t>4.20 4.68 4.92 4.96</a:t>
+            </a:r>
+          </a:p>
+          <a:p>
+            <a:pPr lvl="1"/>
+            <a:r>
+              <a:rPr lang="is-IS" dirty="0" smtClean="0">
+                <a:latin typeface="Monaco" charset="0"/>
+                <a:ea typeface="Monaco" charset="0"/>
+                <a:cs typeface="Monaco" charset="0"/>
+              </a:rPr>
+              <a:t>3 </a:t>
+            </a:r>
+            <a:r>
+              <a:rPr lang="is-IS" dirty="0">
+                <a:latin typeface="Monaco" charset="0"/>
+                <a:ea typeface="Monaco" charset="0"/>
+                <a:cs typeface="Monaco" charset="0"/>
+              </a:rPr>
+              <a:t>  </a:t>
+            </a:r>
+            <a:r>
+              <a:rPr lang="is-IS" dirty="0" smtClean="0">
+                <a:latin typeface="Monaco" charset="0"/>
+                <a:ea typeface="Monaco" charset="0"/>
+                <a:cs typeface="Monaco" charset="0"/>
+              </a:rPr>
+              <a:t>ozone   3.98 </a:t>
+            </a:r>
+            <a:r>
+              <a:rPr lang="is-IS" dirty="0">
+                <a:latin typeface="Monaco" charset="0"/>
+                <a:ea typeface="Monaco" charset="0"/>
+                <a:cs typeface="Monaco" charset="0"/>
+              </a:rPr>
+              <a:t>4.36 4.79 4.99 </a:t>
+            </a:r>
+            <a:r>
+              <a:rPr lang="is-IS" dirty="0" smtClean="0">
+                <a:latin typeface="Monaco" charset="0"/>
+                <a:ea typeface="Monaco" charset="0"/>
+                <a:cs typeface="Monaco" charset="0"/>
+              </a:rPr>
+              <a:t>5.03</a:t>
+            </a:r>
+            <a:endParaRPr lang="is-IS" dirty="0">
+              <a:latin typeface="Monaco" charset="0"/>
+              <a:ea typeface="Monaco" charset="0"/>
+              <a:cs typeface="Monaco" charset="0"/>
+            </a:endParaRPr>
           </a:p>
         </p:txBody>
       </p:sp>
     </p:spTree>
     <p:extLst>
       <p:ext uri="{BB962C8B-B14F-4D97-AF65-F5344CB8AC3E}">
-        <p14:creationId xmlns:p14="http://schemas.microsoft.com/office/powerpoint/2010/main" val="1933939771"/>
+        <p14:creationId xmlns:p14="http://schemas.microsoft.com/office/powerpoint/2010/main" val="358646579"/>
       </p:ext>
     </p:extLst>
   </p:cSld>
@@ -3761,9 +4135,80 @@
   <p:timing>
     <p:tnLst>
       <p:par>
-        <p:cTn id="1" dur="indefinite" restart="never" nodeType="tmRoot"/>
+        <p:cTn id="1" dur="indefinite" restart="never" nodeType="tmRoot">
+          <p:childTnLst>
+            <p:seq concurrent="1" nextAc="seek">
+              <p:cTn id="2" dur="indefinite" nodeType="mainSeq">
+                <p:childTnLst>
+                  <p:par>
+                    <p:cTn id="3" fill="hold">
+                      <p:stCondLst>
+                        <p:cond delay="indefinite"/>
+                      </p:stCondLst>
+                      <p:childTnLst>
+                        <p:par>
+                          <p:cTn id="4" fill="hold">
+                            <p:stCondLst>
+                              <p:cond delay="0"/>
+                            </p:stCondLst>
+                            <p:childTnLst>
+                              <p:par>
+                                <p:cTn id="5" presetID="1" presetClass="entr" presetSubtype="0" fill="hold" grpId="0" nodeType="clickEffect">
+                                  <p:stCondLst>
+                                    <p:cond delay="0"/>
+                                  </p:stCondLst>
+                                  <p:childTnLst>
+                                    <p:set>
+                                      <p:cBhvr>
+                                        <p:cTn id="6" dur="1" fill="hold">
+                                          <p:stCondLst>
+                                            <p:cond delay="0"/>
+                                          </p:stCondLst>
+                                        </p:cTn>
+                                        <p:tgtEl>
+                                          <p:spTgt spid="4"/>
+                                        </p:tgtEl>
+                                        <p:attrNameLst>
+                                          <p:attrName>style.visibility</p:attrName>
+                                        </p:attrNameLst>
+                                      </p:cBhvr>
+                                      <p:to>
+                                        <p:strVal val="visible"/>
+                                      </p:to>
+                                    </p:set>
+                                  </p:childTnLst>
+                                </p:cTn>
+                              </p:par>
+                            </p:childTnLst>
+                          </p:cTn>
+                        </p:par>
+                      </p:childTnLst>
+                    </p:cTn>
+                  </p:par>
+                </p:childTnLst>
+              </p:cTn>
+              <p:prevCondLst>
+                <p:cond evt="onPrev" delay="0">
+                  <p:tgtEl>
+                    <p:sldTgt/>
+                  </p:tgtEl>
+                </p:cond>
+              </p:prevCondLst>
+              <p:nextCondLst>
+                <p:cond evt="onNext" delay="0">
+                  <p:tgtEl>
+                    <p:sldTgt/>
+                  </p:tgtEl>
+                </p:cond>
+              </p:nextCondLst>
+            </p:seq>
+          </p:childTnLst>
+        </p:cTn>
       </p:par>
     </p:tnLst>
+    <p:bldLst>
+      <p:bldP spid="4" grpId="0"/>
+    </p:bldLst>
   </p:timing>
 </p:sld>
 </file>
@@ -3802,7 +4247,11 @@
           <a:p>
             <a:r>
               <a:rPr lang="en-US" dirty="0" smtClean="0"/>
-              <a:t>Estimation</a:t>
+              <a:t>Brief return to </a:t>
+            </a:r>
+            <a:r>
+              <a:rPr lang="en-US" dirty="0" err="1" smtClean="0"/>
+              <a:t>dplyr</a:t>
             </a:r>
             <a:endParaRPr lang="en-US" dirty="0"/>
           </a:p>
@@ -3820,116 +4269,42 @@
         </p:nvSpPr>
         <p:spPr/>
         <p:txBody>
-          <a:bodyPr>
-            <a:normAutofit/>
-          </a:bodyPr>
+          <a:bodyPr/>
           <a:lstStyle/>
           <a:p>
             <a:r>
-              <a:rPr lang="en-US" dirty="0"/>
-              <a:t>An </a:t>
-            </a:r>
-            <a:r>
-              <a:rPr lang="en-US" b="1" dirty="0"/>
-              <a:t>estimator </a:t>
-            </a:r>
-            <a:r>
-              <a:rPr lang="en-US" dirty="0"/>
-              <a:t>is a statistic </a:t>
-            </a:r>
-            <a:r>
               <a:rPr lang="en-US" dirty="0" smtClean="0"/>
-              <a:t>(~formula) for </a:t>
-            </a:r>
-            <a:r>
-              <a:rPr lang="en-US" dirty="0"/>
-              <a:t>estimating a </a:t>
+              <a:t>Joining related data frames</a:t>
+            </a:r>
+          </a:p>
+          <a:p>
+            <a:endParaRPr lang="en-US" dirty="0"/>
+          </a:p>
+          <a:p>
+            <a:r>
+              <a:rPr lang="en-US" dirty="0" err="1" smtClean="0"/>
+              <a:t>inner_join</a:t>
             </a:r>
             <a:r>
               <a:rPr lang="en-US" dirty="0" smtClean="0"/>
-              <a:t>parameter</a:t>
-            </a:r>
-            <a:endParaRPr lang="en-US" dirty="0"/>
-          </a:p>
-          <a:p>
+              <a:t>()</a:t>
+            </a:r>
+          </a:p>
+          <a:p>
+            <a:r>
+              <a:rPr lang="en-US" dirty="0" err="1" smtClean="0"/>
+              <a:t>outer_join</a:t>
+            </a:r>
             <a:r>
               <a:rPr lang="en-US" dirty="0" smtClean="0"/>
-              <a:t>A good estimator is </a:t>
-            </a:r>
-            <a:r>
-              <a:rPr lang="en-US" b="1" dirty="0" smtClean="0"/>
-              <a:t>unbiased</a:t>
-            </a:r>
-          </a:p>
-          <a:p>
-            <a:pPr lvl="1"/>
+              <a:t>()</a:t>
+            </a:r>
+          </a:p>
+          <a:p>
             <a:r>
               <a:rPr lang="en-US" dirty="0" smtClean="0"/>
-              <a:t>The expected value (expectation) of the estimator should equal the parameter being estimated</a:t>
-            </a:r>
-            <a:endParaRPr lang="en-US" b="1" dirty="0" smtClean="0"/>
-          </a:p>
-          <a:p>
-            <a:pPr lvl="1"/>
-            <a:r>
-              <a:rPr lang="en-US" dirty="0" smtClean="0"/>
-              <a:t>Mean of the sampling distribution of the statistic should equal the parameter being estimated </a:t>
-            </a:r>
-          </a:p>
-          <a:p>
-            <a:r>
-              <a:rPr lang="en-US" dirty="0" smtClean="0"/>
-              <a:t>A good estimator is </a:t>
-            </a:r>
-            <a:r>
-              <a:rPr lang="en-US" b="1" dirty="0" smtClean="0"/>
-              <a:t>consistent</a:t>
-            </a:r>
-            <a:endParaRPr lang="en-US" dirty="0" smtClean="0"/>
-          </a:p>
-          <a:p>
-            <a:pPr lvl="1"/>
-            <a:r>
-              <a:rPr lang="en-US" dirty="0"/>
-              <a:t>I</a:t>
-            </a:r>
-            <a:r>
-              <a:rPr lang="en-US" dirty="0" smtClean="0"/>
-              <a:t>ncreasing </a:t>
-            </a:r>
-            <a:r>
-              <a:rPr lang="en-US" dirty="0"/>
-              <a:t>the sample size produces an estimate with smaller </a:t>
-            </a:r>
-            <a:r>
-              <a:rPr lang="en-US" dirty="0" smtClean="0"/>
-              <a:t>SE</a:t>
-            </a:r>
-            <a:r>
-              <a:rPr lang="en-US" dirty="0"/>
-              <a:t> </a:t>
-            </a:r>
-            <a:endParaRPr lang="en-US" dirty="0" smtClean="0"/>
-          </a:p>
-          <a:p>
-            <a:r>
-              <a:rPr lang="en-US" dirty="0" smtClean="0"/>
-              <a:t>A good estimator is </a:t>
-            </a:r>
-            <a:r>
-              <a:rPr lang="en-US" b="1" dirty="0" smtClean="0"/>
-              <a:t>efficient</a:t>
-            </a:r>
-            <a:endParaRPr lang="en-US" dirty="0" smtClean="0"/>
-          </a:p>
-          <a:p>
-            <a:pPr lvl="1"/>
-            <a:r>
-              <a:rPr lang="en-US" dirty="0" smtClean="0"/>
-              <a:t>Has the smallest SE among any estimator you could have chosen</a:t>
-            </a:r>
-          </a:p>
-          <a:p>
+              <a:t>left_join()</a:t>
+            </a:r>
             <a:endParaRPr lang="en-US" dirty="0"/>
           </a:p>
         </p:txBody>
@@ -3937,18 +4312,18 @@
     </p:spTree>
     <p:extLst>
       <p:ext uri="{BB962C8B-B14F-4D97-AF65-F5344CB8AC3E}">
-        <p14:creationId xmlns:p14="http://schemas.microsoft.com/office/powerpoint/2010/main" val="985977752"/>
+        <p14:creationId xmlns:p14="http://schemas.microsoft.com/office/powerpoint/2010/main" val="1933939771"/>
       </p:ext>
     </p:extLst>
   </p:cSld>
   <p:clrMapOvr>
     <a:masterClrMapping/>
   </p:clrMapOvr>
-  <mc:AlternateContent xmlns:mc="http://schemas.openxmlformats.org/markup-compatibility/2006">
-    <mc:Choice xmlns:p14="http://schemas.microsoft.com/office/powerpoint/2010/main" Requires="p14">
+  <mc:AlternateContent xmlns:mc="http://schemas.openxmlformats.org/markup-compatibility/2006" xmlns:p14="http://schemas.microsoft.com/office/powerpoint/2010/main">
+    <mc:Choice Requires="p14">
       <p:transition spd="slow" p14:dur="2000"/>
     </mc:Choice>
-    <mc:Fallback>
+    <mc:Fallback xmlns="">
       <p:transition spd="slow"/>
     </mc:Fallback>
   </mc:AlternateContent>
@@ -3996,14 +4371,208 @@
           <a:p>
             <a:r>
               <a:rPr lang="en-US" dirty="0" smtClean="0"/>
+              <a:t>Estimation</a:t>
+            </a:r>
+            <a:endParaRPr lang="en-US" dirty="0"/>
+          </a:p>
+        </p:txBody>
+      </p:sp>
+      <p:sp>
+        <p:nvSpPr>
+          <p:cNvPr id="3" name="Content Placeholder 2"/>
+          <p:cNvSpPr>
+            <a:spLocks noGrp="1"/>
+          </p:cNvSpPr>
+          <p:nvPr>
+            <p:ph idx="1"/>
+          </p:nvPr>
+        </p:nvSpPr>
+        <p:spPr/>
+        <p:txBody>
+          <a:bodyPr>
+            <a:normAutofit/>
+          </a:bodyPr>
+          <a:lstStyle/>
+          <a:p>
+            <a:r>
+              <a:rPr lang="en-US" dirty="0"/>
+              <a:t>An </a:t>
+            </a:r>
+            <a:r>
+              <a:rPr lang="en-US" b="1" dirty="0"/>
+              <a:t>estimator </a:t>
+            </a:r>
+            <a:r>
+              <a:rPr lang="en-US" dirty="0"/>
+              <a:t>is a statistic </a:t>
+            </a:r>
+            <a:r>
+              <a:rPr lang="en-US" dirty="0" smtClean="0"/>
+              <a:t>(~formula) for </a:t>
+            </a:r>
+            <a:r>
+              <a:rPr lang="en-US" dirty="0"/>
+              <a:t>estimating a </a:t>
+            </a:r>
+            <a:r>
+              <a:rPr lang="en-US" dirty="0" smtClean="0"/>
+              <a:t>parameter</a:t>
+            </a:r>
+            <a:endParaRPr lang="en-US" dirty="0"/>
+          </a:p>
+          <a:p>
+            <a:r>
+              <a:rPr lang="en-US" dirty="0" smtClean="0"/>
+              <a:t>A good estimator is </a:t>
+            </a:r>
+            <a:r>
+              <a:rPr lang="en-US" b="1" dirty="0" smtClean="0"/>
+              <a:t>unbiased</a:t>
+            </a:r>
+          </a:p>
+          <a:p>
+            <a:pPr lvl="1"/>
+            <a:r>
+              <a:rPr lang="en-US" dirty="0" smtClean="0"/>
+              <a:t>The expected value (expectation) of the estimator should equal the parameter being estimated</a:t>
+            </a:r>
+            <a:endParaRPr lang="en-US" b="1" dirty="0" smtClean="0"/>
+          </a:p>
+          <a:p>
+            <a:pPr lvl="1"/>
+            <a:r>
+              <a:rPr lang="en-US" dirty="0" smtClean="0"/>
+              <a:t>Mean of the sampling distribution of the statistic should equal the parameter being estimated </a:t>
+            </a:r>
+          </a:p>
+          <a:p>
+            <a:r>
+              <a:rPr lang="en-US" dirty="0" smtClean="0"/>
+              <a:t>A good estimator is </a:t>
+            </a:r>
+            <a:r>
+              <a:rPr lang="en-US" b="1" dirty="0" smtClean="0"/>
+              <a:t>consistent</a:t>
+            </a:r>
+            <a:endParaRPr lang="en-US" dirty="0" smtClean="0"/>
+          </a:p>
+          <a:p>
+            <a:pPr lvl="1"/>
+            <a:r>
+              <a:rPr lang="en-US" dirty="0"/>
+              <a:t>I</a:t>
+            </a:r>
+            <a:r>
+              <a:rPr lang="en-US" dirty="0" smtClean="0"/>
+              <a:t>ncreasing </a:t>
+            </a:r>
+            <a:r>
+              <a:rPr lang="en-US" dirty="0"/>
+              <a:t>the sample size produces an estimate with smaller </a:t>
+            </a:r>
+            <a:r>
+              <a:rPr lang="en-US" dirty="0" smtClean="0"/>
+              <a:t>SE</a:t>
+            </a:r>
+            <a:r>
+              <a:rPr lang="en-US" dirty="0"/>
+              <a:t> </a:t>
+            </a:r>
+            <a:endParaRPr lang="en-US" dirty="0" smtClean="0"/>
+          </a:p>
+          <a:p>
+            <a:r>
+              <a:rPr lang="en-US" dirty="0" smtClean="0"/>
+              <a:t>A good estimator is </a:t>
+            </a:r>
+            <a:r>
+              <a:rPr lang="en-US" b="1" dirty="0" smtClean="0"/>
+              <a:t>efficient</a:t>
+            </a:r>
+            <a:endParaRPr lang="en-US" dirty="0" smtClean="0"/>
+          </a:p>
+          <a:p>
+            <a:pPr lvl="1"/>
+            <a:r>
+              <a:rPr lang="en-US" dirty="0" smtClean="0"/>
+              <a:t>Has the smallest SE among any estimator you could have chosen</a:t>
+            </a:r>
+          </a:p>
+          <a:p>
+            <a:endParaRPr lang="en-US" dirty="0"/>
+          </a:p>
+        </p:txBody>
+      </p:sp>
+    </p:spTree>
+    <p:extLst>
+      <p:ext uri="{BB962C8B-B14F-4D97-AF65-F5344CB8AC3E}">
+        <p14:creationId xmlns:p14="http://schemas.microsoft.com/office/powerpoint/2010/main" val="985977752"/>
+      </p:ext>
+    </p:extLst>
+  </p:cSld>
+  <p:clrMapOvr>
+    <a:masterClrMapping/>
+  </p:clrMapOvr>
+  <mc:AlternateContent xmlns:mc="http://schemas.openxmlformats.org/markup-compatibility/2006" xmlns:p14="http://schemas.microsoft.com/office/powerpoint/2010/main">
+    <mc:Choice Requires="p14">
+      <p:transition spd="slow" p14:dur="2000"/>
+    </mc:Choice>
+    <mc:Fallback xmlns="">
+      <p:transition spd="slow"/>
+    </mc:Fallback>
+  </mc:AlternateContent>
+  <p:timing>
+    <p:tnLst>
+      <p:par>
+        <p:cTn id="1" dur="indefinite" restart="never" nodeType="tmRoot"/>
+      </p:par>
+    </p:tnLst>
+  </p:timing>
+</p:sld>
+</file>
+
+<file path=ppt/slides/slide13.xml><?xml version="1.0" encoding="utf-8"?>
+<p:sld xmlns:a="http://schemas.openxmlformats.org/drawingml/2006/main" xmlns:r="http://schemas.openxmlformats.org/officeDocument/2006/relationships" xmlns:p="http://schemas.openxmlformats.org/presentationml/2006/main">
+  <p:cSld>
+    <p:spTree>
+      <p:nvGrpSpPr>
+        <p:cNvPr id="1" name=""/>
+        <p:cNvGrpSpPr/>
+        <p:nvPr/>
+      </p:nvGrpSpPr>
+      <p:grpSpPr>
+        <a:xfrm>
+          <a:off x="0" y="0"/>
+          <a:ext cx="0" cy="0"/>
+          <a:chOff x="0" y="0"/>
+          <a:chExt cx="0" cy="0"/>
+        </a:xfrm>
+      </p:grpSpPr>
+      <p:sp>
+        <p:nvSpPr>
+          <p:cNvPr id="2" name="Title 1"/>
+          <p:cNvSpPr>
+            <a:spLocks noGrp="1"/>
+          </p:cNvSpPr>
+          <p:nvPr>
+            <p:ph type="title"/>
+          </p:nvPr>
+        </p:nvSpPr>
+        <p:spPr/>
+        <p:txBody>
+          <a:bodyPr/>
+          <a:lstStyle/>
+          <a:p>
+            <a:r>
+              <a:rPr lang="en-US" dirty="0" smtClean="0"/>
               <a:t>Point estimation</a:t>
             </a:r>
             <a:endParaRPr lang="en-US" dirty="0"/>
           </a:p>
         </p:txBody>
       </p:sp>
-      <mc:AlternateContent xmlns:mc="http://schemas.openxmlformats.org/markup-compatibility/2006" xmlns:a14="http://schemas.microsoft.com/office/drawing/2010/main">
-        <mc:Choice Requires="a14">
+      <mc:AlternateContent xmlns:mc="http://schemas.openxmlformats.org/markup-compatibility/2006">
+        <mc:Choice xmlns:a14="http://schemas.microsoft.com/office/drawing/2010/main" Requires="a14">
           <p:sp>
             <p:nvSpPr>
               <p:cNvPr id="3" name="Content Placeholder 2"/>
@@ -4017,7 +4586,7 @@
             <p:spPr/>
             <p:txBody>
               <a:bodyPr>
-                <a:normAutofit fontScale="92500"/>
+                <a:normAutofit/>
               </a:bodyPr>
               <a:lstStyle/>
               <a:p>
@@ -4555,7 +5124,7 @@
             </p:txBody>
           </p:sp>
         </mc:Choice>
-        <mc:Fallback xmlns="">
+        <mc:Fallback>
           <p:sp>
             <p:nvSpPr>
               <p:cNvPr id="3" name="Content Placeholder 2"/>
@@ -4570,7 +5139,7 @@
               <a:blipFill rotWithShape="0">
                 <a:blip r:embed="rId3"/>
                 <a:stretch>
-                  <a:fillRect l="-1394" t="-1818" b="-1667"/>
+                  <a:fillRect l="-1043" t="-2241"/>
                 </a:stretch>
               </a:blipFill>
             </p:spPr>
@@ -4599,11 +5168,11 @@
   <p:clrMapOvr>
     <a:masterClrMapping/>
   </p:clrMapOvr>
-  <mc:AlternateContent xmlns:mc="http://schemas.openxmlformats.org/markup-compatibility/2006">
-    <mc:Choice xmlns:p14="http://schemas.microsoft.com/office/powerpoint/2010/main" Requires="p14">
+  <mc:AlternateContent xmlns:mc="http://schemas.openxmlformats.org/markup-compatibility/2006" xmlns:p14="http://schemas.microsoft.com/office/powerpoint/2010/main">
+    <mc:Choice Requires="p14">
       <p:transition spd="slow" p14:dur="2000"/>
     </mc:Choice>
-    <mc:Fallback>
+    <mc:Fallback xmlns="">
       <p:transition spd="slow"/>
     </mc:Fallback>
   </mc:AlternateContent>
@@ -4618,6 +5187,140 @@
 </file>
 
 <file path=ppt/slides/slide2.xml><?xml version="1.0" encoding="utf-8"?>
+<p:sld xmlns:a="http://schemas.openxmlformats.org/drawingml/2006/main" xmlns:r="http://schemas.openxmlformats.org/officeDocument/2006/relationships" xmlns:p="http://schemas.openxmlformats.org/presentationml/2006/main">
+  <p:cSld>
+    <p:spTree>
+      <p:nvGrpSpPr>
+        <p:cNvPr id="1" name=""/>
+        <p:cNvGrpSpPr/>
+        <p:nvPr/>
+      </p:nvGrpSpPr>
+      <p:grpSpPr>
+        <a:xfrm>
+          <a:off x="0" y="0"/>
+          <a:ext cx="0" cy="0"/>
+          <a:chOff x="0" y="0"/>
+          <a:chExt cx="0" cy="0"/>
+        </a:xfrm>
+      </p:grpSpPr>
+      <p:sp>
+        <p:nvSpPr>
+          <p:cNvPr id="2" name="Title 1"/>
+          <p:cNvSpPr>
+            <a:spLocks noGrp="1"/>
+          </p:cNvSpPr>
+          <p:nvPr>
+            <p:ph type="title"/>
+          </p:nvPr>
+        </p:nvSpPr>
+        <p:spPr/>
+        <p:txBody>
+          <a:bodyPr/>
+          <a:lstStyle/>
+          <a:p>
+            <a:endParaRPr lang="en-US"/>
+          </a:p>
+        </p:txBody>
+      </p:sp>
+      <p:sp>
+        <p:nvSpPr>
+          <p:cNvPr id="3" name="Content Placeholder 2"/>
+          <p:cNvSpPr>
+            <a:spLocks noGrp="1"/>
+          </p:cNvSpPr>
+          <p:nvPr>
+            <p:ph idx="1"/>
+          </p:nvPr>
+        </p:nvSpPr>
+        <p:spPr/>
+        <p:txBody>
+          <a:bodyPr/>
+          <a:lstStyle/>
+          <a:p>
+            <a:r>
+              <a:rPr lang="en-US" dirty="0">
+                <a:hlinkClick r:id="rId2"/>
+              </a:rPr>
+              <a:t>http://</a:t>
+            </a:r>
+            <a:r>
+              <a:rPr lang="en-US" dirty="0" smtClean="0">
+                <a:hlinkClick r:id="rId2"/>
+              </a:rPr>
+              <a:t>blog.minitab.com/blog/adventures-in-statistics-2/choosing-between-a-nonparametric-test-and-a-parametric-test</a:t>
+            </a:r>
+            <a:endParaRPr lang="en-US" dirty="0" smtClean="0"/>
+          </a:p>
+          <a:p>
+            <a:endParaRPr lang="en-US" dirty="0"/>
+          </a:p>
+          <a:p>
+            <a:r>
+              <a:rPr lang="en-US" dirty="0"/>
+              <a:t>http://</a:t>
+            </a:r>
+            <a:r>
+              <a:rPr lang="en-US" dirty="0" err="1"/>
+              <a:t>biostat.mc.vanderbilt.edu</a:t>
+            </a:r>
+            <a:r>
+              <a:rPr lang="en-US" dirty="0"/>
+              <a:t>/wiki/pub/Main/</a:t>
+            </a:r>
+            <a:r>
+              <a:rPr lang="en-US" dirty="0" err="1"/>
+              <a:t>AnesShortCourse</a:t>
+            </a:r>
+            <a:r>
+              <a:rPr lang="en-US" dirty="0"/>
+              <a:t>/</a:t>
+            </a:r>
+            <a:r>
+              <a:rPr lang="en-US"/>
+              <a:t>NonParametrics.pdf</a:t>
+            </a:r>
+            <a:endParaRPr lang="en-US" dirty="0"/>
+          </a:p>
+        </p:txBody>
+      </p:sp>
+      <p:pic>
+        <p:nvPicPr>
+          <p:cNvPr id="4" name="Picture 3"/>
+          <p:cNvPicPr>
+            <a:picLocks noChangeAspect="1"/>
+          </p:cNvPicPr>
+          <p:nvPr/>
+        </p:nvPicPr>
+        <p:blipFill>
+          <a:blip r:embed="rId3"/>
+          <a:stretch>
+            <a:fillRect/>
+          </a:stretch>
+        </p:blipFill>
+        <p:spPr>
+          <a:xfrm>
+            <a:off x="6917800" y="2692083"/>
+            <a:ext cx="3887359" cy="3484880"/>
+          </a:xfrm>
+          <a:prstGeom prst="rect">
+            <a:avLst/>
+          </a:prstGeom>
+        </p:spPr>
+      </p:pic>
+    </p:spTree>
+    <p:extLst>
+      <p:ext uri="{BB962C8B-B14F-4D97-AF65-F5344CB8AC3E}">
+        <p14:creationId xmlns:p14="http://schemas.microsoft.com/office/powerpoint/2010/main" val="492180541"/>
+      </p:ext>
+    </p:extLst>
+  </p:cSld>
+  <p:clrMapOvr>
+    <a:masterClrMapping/>
+  </p:clrMapOvr>
+</p:sld>
+</file>
+
+<file path=ppt/slides/slide3.xml><?xml version="1.0" encoding="utf-8"?>
 <p:sld xmlns:a="http://schemas.openxmlformats.org/drawingml/2006/main" xmlns:r="http://schemas.openxmlformats.org/officeDocument/2006/relationships" xmlns:p="http://schemas.openxmlformats.org/presentationml/2006/main">
   <p:cSld>
     <p:spTree>
@@ -4877,7 +5580,7 @@
 </p:sld>
 </file>
 
-<file path=ppt/slides/slide3.xml><?xml version="1.0" encoding="utf-8"?>
+<file path=ppt/slides/slide4.xml><?xml version="1.0" encoding="utf-8"?>
 <p:sld xmlns:a="http://schemas.openxmlformats.org/drawingml/2006/main" xmlns:r="http://schemas.openxmlformats.org/officeDocument/2006/relationships" xmlns:p="http://schemas.openxmlformats.org/presentationml/2006/main">
   <p:cSld>
     <p:spTree>
@@ -5054,7 +5757,7 @@
 </p:sld>
 </file>
 
-<file path=ppt/slides/slide4.xml><?xml version="1.0" encoding="utf-8"?>
+<file path=ppt/slides/slide5.xml><?xml version="1.0" encoding="utf-8"?>
 <p:sld xmlns:a="http://schemas.openxmlformats.org/drawingml/2006/main" xmlns:r="http://schemas.openxmlformats.org/officeDocument/2006/relationships" xmlns:p="http://schemas.openxmlformats.org/presentationml/2006/main">
   <p:cSld>
     <p:spTree>
@@ -6291,7 +6994,7 @@
 </p:sld>
 </file>
 
-<file path=ppt/slides/slide5.xml><?xml version="1.0" encoding="utf-8"?>
+<file path=ppt/slides/slide6.xml><?xml version="1.0" encoding="utf-8"?>
 <p:sld xmlns:a="http://schemas.openxmlformats.org/drawingml/2006/main" xmlns:r="http://schemas.openxmlformats.org/officeDocument/2006/relationships" xmlns:p="http://schemas.openxmlformats.org/presentationml/2006/main">
   <p:cSld>
     <p:spTree>
@@ -6876,7 +7579,7 @@
 </p:sld>
 </file>
 
-<file path=ppt/slides/slide6.xml><?xml version="1.0" encoding="utf-8"?>
+<file path=ppt/slides/slide7.xml><?xml version="1.0" encoding="utf-8"?>
 <p:sld xmlns:a="http://schemas.openxmlformats.org/drawingml/2006/main" xmlns:r="http://schemas.openxmlformats.org/officeDocument/2006/relationships" xmlns:p="http://schemas.openxmlformats.org/presentationml/2006/main">
   <p:cSld>
     <p:spTree>
@@ -8120,7 +8823,7 @@
 </p:sld>
 </file>
 
-<file path=ppt/slides/slide7.xml><?xml version="1.0" encoding="utf-8"?>
+<file path=ppt/slides/slide8.xml><?xml version="1.0" encoding="utf-8"?>
 <p:sld xmlns:a="http://schemas.openxmlformats.org/drawingml/2006/main" xmlns:r="http://schemas.openxmlformats.org/officeDocument/2006/relationships" xmlns:p="http://schemas.openxmlformats.org/presentationml/2006/main">
   <p:cSld>
     <p:spTree>
@@ -9202,570 +9905,6 @@
 </p:sld>
 </file>
 
-<file path=ppt/slides/slide8.xml><?xml version="1.0" encoding="utf-8"?>
-<p:sld xmlns:a="http://schemas.openxmlformats.org/drawingml/2006/main" xmlns:r="http://schemas.openxmlformats.org/officeDocument/2006/relationships" xmlns:p="http://schemas.openxmlformats.org/presentationml/2006/main">
-  <p:cSld>
-    <p:spTree>
-      <p:nvGrpSpPr>
-        <p:cNvPr id="1" name=""/>
-        <p:cNvGrpSpPr/>
-        <p:nvPr/>
-      </p:nvGrpSpPr>
-      <p:grpSpPr>
-        <a:xfrm>
-          <a:off x="0" y="0"/>
-          <a:ext cx="0" cy="0"/>
-          <a:chOff x="0" y="0"/>
-          <a:chExt cx="0" cy="0"/>
-        </a:xfrm>
-      </p:grpSpPr>
-      <p:sp>
-        <p:nvSpPr>
-          <p:cNvPr id="2" name="Title 1"/>
-          <p:cNvSpPr>
-            <a:spLocks noGrp="1"/>
-          </p:cNvSpPr>
-          <p:nvPr>
-            <p:ph type="title"/>
-          </p:nvPr>
-        </p:nvSpPr>
-        <p:spPr/>
-        <p:txBody>
-          <a:bodyPr/>
-          <a:lstStyle/>
-          <a:p>
-            <a:r>
-              <a:rPr lang="en-US" dirty="0" smtClean="0">
-                <a:latin typeface="Monaco" charset="0"/>
-                <a:ea typeface="Monaco" charset="0"/>
-                <a:cs typeface="Monaco" charset="0"/>
-              </a:rPr>
-              <a:t>separate() </a:t>
-            </a:r>
-            <a:r>
-              <a:rPr lang="en-US" dirty="0" smtClean="0"/>
-              <a:t>separates columns</a:t>
-            </a:r>
-            <a:endParaRPr lang="en-US" dirty="0"/>
-          </a:p>
-        </p:txBody>
-      </p:sp>
-      <p:sp>
-        <p:nvSpPr>
-          <p:cNvPr id="4" name="TextBox 3"/>
-          <p:cNvSpPr txBox="1"/>
-          <p:nvPr/>
-        </p:nvSpPr>
-        <p:spPr>
-          <a:xfrm>
-            <a:off x="107817" y="2208236"/>
-            <a:ext cx="6813665" cy="2308324"/>
-          </a:xfrm>
-          <a:prstGeom prst="rect">
-            <a:avLst/>
-          </a:prstGeom>
-          <a:noFill/>
-        </p:spPr>
-        <p:txBody>
-          <a:bodyPr wrap="square" rtlCol="0">
-            <a:spAutoFit/>
-          </a:bodyPr>
-          <a:lstStyle/>
-          <a:p>
-            <a:pPr lvl="1"/>
-            <a:r>
-              <a:rPr lang="is-IS" b="1" dirty="0" smtClean="0">
-                <a:latin typeface="Monaco" charset="0"/>
-                <a:ea typeface="Monaco" charset="0"/>
-                <a:cs typeface="Monaco" charset="0"/>
-              </a:rPr>
-              <a:t>tree treat</a:t>
-            </a:r>
-            <a:r>
-              <a:rPr lang="is-IS" b="1" dirty="0">
-                <a:latin typeface="Monaco" charset="0"/>
-                <a:ea typeface="Monaco" charset="0"/>
-                <a:cs typeface="Monaco" charset="0"/>
-              </a:rPr>
-              <a:t>  </a:t>
-            </a:r>
-            <a:r>
-              <a:rPr lang="is-IS" b="1" dirty="0" smtClean="0">
-                <a:latin typeface="Monaco" charset="0"/>
-                <a:ea typeface="Monaco" charset="0"/>
-                <a:cs typeface="Monaco" charset="0"/>
-              </a:rPr>
-              <a:t>time</a:t>
-            </a:r>
-            <a:r>
-              <a:rPr lang="is-IS" b="1" dirty="0">
-                <a:latin typeface="Monaco" charset="0"/>
-                <a:ea typeface="Monaco" charset="0"/>
-                <a:cs typeface="Monaco" charset="0"/>
-              </a:rPr>
-              <a:t> </a:t>
-            </a:r>
-            <a:r>
-              <a:rPr lang="is-IS" b="1" dirty="0" smtClean="0">
-                <a:latin typeface="Monaco" charset="0"/>
-                <a:ea typeface="Monaco" charset="0"/>
-                <a:cs typeface="Monaco" charset="0"/>
-              </a:rPr>
-              <a:t>  measure</a:t>
-            </a:r>
-            <a:r>
-              <a:rPr lang="is-IS" b="1" dirty="0">
-                <a:latin typeface="Monaco" charset="0"/>
-                <a:ea typeface="Monaco" charset="0"/>
-                <a:cs typeface="Monaco" charset="0"/>
-              </a:rPr>
-              <a:t> </a:t>
-            </a:r>
-            <a:endParaRPr lang="is-IS" b="1" dirty="0" smtClean="0">
-              <a:latin typeface="Monaco" charset="0"/>
-              <a:ea typeface="Monaco" charset="0"/>
-              <a:cs typeface="Monaco" charset="0"/>
-            </a:endParaRPr>
-          </a:p>
-          <a:p>
-            <a:pPr lvl="1"/>
-            <a:r>
-              <a:rPr lang="is-IS" dirty="0" smtClean="0">
-                <a:latin typeface="Monaco" charset="0"/>
-                <a:ea typeface="Monaco" charset="0"/>
-                <a:cs typeface="Monaco" charset="0"/>
-              </a:rPr>
-              <a:t>1 </a:t>
-            </a:r>
-            <a:r>
-              <a:rPr lang="is-IS" dirty="0">
-                <a:latin typeface="Monaco" charset="0"/>
-                <a:ea typeface="Monaco" charset="0"/>
-                <a:cs typeface="Monaco" charset="0"/>
-              </a:rPr>
-              <a:t>  ozone </a:t>
-            </a:r>
-            <a:r>
-              <a:rPr lang="is-IS" dirty="0" smtClean="0">
-                <a:latin typeface="Monaco" charset="0"/>
-                <a:ea typeface="Monaco" charset="0"/>
-                <a:cs typeface="Monaco" charset="0"/>
-              </a:rPr>
-              <a:t>  t152   4.51</a:t>
-            </a:r>
-          </a:p>
-          <a:p>
-            <a:pPr lvl="1"/>
-            <a:r>
-              <a:rPr lang="is-IS" dirty="0">
-                <a:latin typeface="Monaco" charset="0"/>
-                <a:ea typeface="Monaco" charset="0"/>
-                <a:cs typeface="Monaco" charset="0"/>
-              </a:rPr>
-              <a:t>1</a:t>
-            </a:r>
-            <a:r>
-              <a:rPr lang="is-IS" dirty="0" smtClean="0">
-                <a:latin typeface="Monaco" charset="0"/>
-                <a:ea typeface="Monaco" charset="0"/>
-                <a:cs typeface="Monaco" charset="0"/>
-              </a:rPr>
-              <a:t>   ozone   t174   4.98</a:t>
-            </a:r>
-          </a:p>
-          <a:p>
-            <a:pPr lvl="1"/>
-            <a:r>
-              <a:rPr lang="is-IS" dirty="0">
-                <a:latin typeface="Monaco" charset="0"/>
-                <a:ea typeface="Monaco" charset="0"/>
-                <a:cs typeface="Monaco" charset="0"/>
-              </a:rPr>
-              <a:t>1</a:t>
-            </a:r>
-            <a:r>
-              <a:rPr lang="is-IS" dirty="0" smtClean="0">
-                <a:latin typeface="Monaco" charset="0"/>
-                <a:ea typeface="Monaco" charset="0"/>
-                <a:cs typeface="Monaco" charset="0"/>
-              </a:rPr>
-              <a:t>   ozone   t201   5.41</a:t>
-            </a:r>
-          </a:p>
-          <a:p>
-            <a:pPr lvl="1"/>
-            <a:r>
-              <a:rPr lang="is-IS" dirty="0" smtClean="0">
-                <a:latin typeface="Monaco" charset="0"/>
-                <a:ea typeface="Monaco" charset="0"/>
-                <a:cs typeface="Monaco" charset="0"/>
-              </a:rPr>
-              <a:t>1   ozone   t227   5.90</a:t>
-            </a:r>
-          </a:p>
-          <a:p>
-            <a:pPr lvl="1"/>
-            <a:r>
-              <a:rPr lang="is-IS" dirty="0" smtClean="0">
-                <a:latin typeface="Monaco" charset="0"/>
-                <a:ea typeface="Monaco" charset="0"/>
-                <a:cs typeface="Monaco" charset="0"/>
-              </a:rPr>
-              <a:t>1   ozone   t258   6.15</a:t>
-            </a:r>
-          </a:p>
-          <a:p>
-            <a:pPr lvl="1"/>
-            <a:r>
-              <a:rPr lang="is-IS" dirty="0" smtClean="0">
-                <a:latin typeface="Monaco" charset="0"/>
-                <a:ea typeface="Monaco" charset="0"/>
-                <a:cs typeface="Monaco" charset="0"/>
-              </a:rPr>
-              <a:t>...</a:t>
-            </a:r>
-          </a:p>
-          <a:p>
-            <a:pPr lvl="1"/>
-            <a:endParaRPr lang="is-IS" dirty="0">
-              <a:latin typeface="Monaco" charset="0"/>
-              <a:ea typeface="Monaco" charset="0"/>
-              <a:cs typeface="Monaco" charset="0"/>
-            </a:endParaRPr>
-          </a:p>
-        </p:txBody>
-      </p:sp>
-      <p:sp>
-        <p:nvSpPr>
-          <p:cNvPr id="5" name="TextBox 4"/>
-          <p:cNvSpPr txBox="1"/>
-          <p:nvPr/>
-        </p:nvSpPr>
-        <p:spPr>
-          <a:xfrm>
-            <a:off x="5692513" y="2392901"/>
-            <a:ext cx="5893071" cy="1200329"/>
-          </a:xfrm>
-          <a:prstGeom prst="rect">
-            <a:avLst/>
-          </a:prstGeom>
-          <a:noFill/>
-        </p:spPr>
-        <p:txBody>
-          <a:bodyPr wrap="square" rtlCol="0">
-            <a:spAutoFit/>
-          </a:bodyPr>
-          <a:lstStyle/>
-          <a:p>
-            <a:pPr lvl="1"/>
-            <a:r>
-              <a:rPr lang="is-IS" b="1" dirty="0" smtClean="0">
-                <a:latin typeface="Monaco" charset="0"/>
-                <a:ea typeface="Monaco" charset="0"/>
-                <a:cs typeface="Monaco" charset="0"/>
-              </a:rPr>
-              <a:t>tree treat</a:t>
-            </a:r>
-            <a:r>
-              <a:rPr lang="is-IS" b="1" dirty="0">
-                <a:latin typeface="Monaco" charset="0"/>
-                <a:ea typeface="Monaco" charset="0"/>
-                <a:cs typeface="Monaco" charset="0"/>
-              </a:rPr>
-              <a:t>  </a:t>
-            </a:r>
-            <a:r>
-              <a:rPr lang="is-IS" b="1" dirty="0" smtClean="0">
-                <a:latin typeface="Monaco" charset="0"/>
-                <a:ea typeface="Monaco" charset="0"/>
-                <a:cs typeface="Monaco" charset="0"/>
-              </a:rPr>
-              <a:t>t152</a:t>
-            </a:r>
-            <a:r>
-              <a:rPr lang="is-IS" b="1" dirty="0">
-                <a:latin typeface="Monaco" charset="0"/>
-                <a:ea typeface="Monaco" charset="0"/>
-                <a:cs typeface="Monaco" charset="0"/>
-              </a:rPr>
-              <a:t> </a:t>
-            </a:r>
-            <a:r>
-              <a:rPr lang="is-IS" b="1" dirty="0" smtClean="0">
-                <a:latin typeface="Monaco" charset="0"/>
-                <a:ea typeface="Monaco" charset="0"/>
-                <a:cs typeface="Monaco" charset="0"/>
-              </a:rPr>
-              <a:t>t174</a:t>
-            </a:r>
-            <a:r>
-              <a:rPr lang="is-IS" b="1" dirty="0">
-                <a:latin typeface="Monaco" charset="0"/>
-                <a:ea typeface="Monaco" charset="0"/>
-                <a:cs typeface="Monaco" charset="0"/>
-              </a:rPr>
-              <a:t> </a:t>
-            </a:r>
-            <a:r>
-              <a:rPr lang="is-IS" b="1" dirty="0" smtClean="0">
-                <a:latin typeface="Monaco" charset="0"/>
-                <a:ea typeface="Monaco" charset="0"/>
-                <a:cs typeface="Monaco" charset="0"/>
-              </a:rPr>
-              <a:t>t201</a:t>
-            </a:r>
-            <a:r>
-              <a:rPr lang="is-IS" b="1" dirty="0">
-                <a:latin typeface="Monaco" charset="0"/>
-                <a:ea typeface="Monaco" charset="0"/>
-                <a:cs typeface="Monaco" charset="0"/>
-              </a:rPr>
-              <a:t> </a:t>
-            </a:r>
-            <a:r>
-              <a:rPr lang="is-IS" b="1" dirty="0" smtClean="0">
-                <a:latin typeface="Monaco" charset="0"/>
-                <a:ea typeface="Monaco" charset="0"/>
-                <a:cs typeface="Monaco" charset="0"/>
-              </a:rPr>
-              <a:t>t227</a:t>
-            </a:r>
-            <a:r>
-              <a:rPr lang="is-IS" b="1" dirty="0">
-                <a:latin typeface="Monaco" charset="0"/>
-                <a:ea typeface="Monaco" charset="0"/>
-                <a:cs typeface="Monaco" charset="0"/>
-              </a:rPr>
-              <a:t> </a:t>
-            </a:r>
-            <a:r>
-              <a:rPr lang="is-IS" b="1" dirty="0" smtClean="0">
-                <a:latin typeface="Monaco" charset="0"/>
-                <a:ea typeface="Monaco" charset="0"/>
-                <a:cs typeface="Monaco" charset="0"/>
-              </a:rPr>
-              <a:t>t258</a:t>
-            </a:r>
-          </a:p>
-          <a:p>
-            <a:pPr lvl="1"/>
-            <a:r>
-              <a:rPr lang="is-IS" dirty="0" smtClean="0">
-                <a:latin typeface="Monaco" charset="0"/>
-                <a:ea typeface="Monaco" charset="0"/>
-                <a:cs typeface="Monaco" charset="0"/>
-              </a:rPr>
-              <a:t>1 </a:t>
-            </a:r>
-            <a:r>
-              <a:rPr lang="is-IS" dirty="0">
-                <a:latin typeface="Monaco" charset="0"/>
-                <a:ea typeface="Monaco" charset="0"/>
-                <a:cs typeface="Monaco" charset="0"/>
-              </a:rPr>
-              <a:t>  ozone </a:t>
-            </a:r>
-            <a:r>
-              <a:rPr lang="is-IS" dirty="0" smtClean="0">
-                <a:latin typeface="Monaco" charset="0"/>
-                <a:ea typeface="Monaco" charset="0"/>
-                <a:cs typeface="Monaco" charset="0"/>
-              </a:rPr>
-              <a:t>  4.51 </a:t>
-            </a:r>
-            <a:r>
-              <a:rPr lang="is-IS" dirty="0">
-                <a:latin typeface="Monaco" charset="0"/>
-                <a:ea typeface="Monaco" charset="0"/>
-                <a:cs typeface="Monaco" charset="0"/>
-              </a:rPr>
-              <a:t>4.98 5.41 5.90 6.15</a:t>
-            </a:r>
-          </a:p>
-          <a:p>
-            <a:pPr lvl="1"/>
-            <a:r>
-              <a:rPr lang="is-IS" dirty="0" smtClean="0">
-                <a:latin typeface="Monaco" charset="0"/>
-                <a:ea typeface="Monaco" charset="0"/>
-                <a:cs typeface="Monaco" charset="0"/>
-              </a:rPr>
-              <a:t>2 </a:t>
-            </a:r>
-            <a:r>
-              <a:rPr lang="is-IS" dirty="0">
-                <a:latin typeface="Monaco" charset="0"/>
-                <a:ea typeface="Monaco" charset="0"/>
-                <a:cs typeface="Monaco" charset="0"/>
-              </a:rPr>
-              <a:t>  ozone </a:t>
-            </a:r>
-            <a:r>
-              <a:rPr lang="is-IS" dirty="0" smtClean="0">
-                <a:latin typeface="Monaco" charset="0"/>
-                <a:ea typeface="Monaco" charset="0"/>
-                <a:cs typeface="Monaco" charset="0"/>
-              </a:rPr>
-              <a:t>  4.24 </a:t>
-            </a:r>
-            <a:r>
-              <a:rPr lang="is-IS" dirty="0">
-                <a:latin typeface="Monaco" charset="0"/>
-                <a:ea typeface="Monaco" charset="0"/>
-                <a:cs typeface="Monaco" charset="0"/>
-              </a:rPr>
-              <a:t>4.20 4.68 4.92 4.96</a:t>
-            </a:r>
-          </a:p>
-          <a:p>
-            <a:pPr lvl="1"/>
-            <a:r>
-              <a:rPr lang="is-IS" dirty="0" smtClean="0">
-                <a:latin typeface="Monaco" charset="0"/>
-                <a:ea typeface="Monaco" charset="0"/>
-                <a:cs typeface="Monaco" charset="0"/>
-              </a:rPr>
-              <a:t>3 </a:t>
-            </a:r>
-            <a:r>
-              <a:rPr lang="is-IS" dirty="0">
-                <a:latin typeface="Monaco" charset="0"/>
-                <a:ea typeface="Monaco" charset="0"/>
-                <a:cs typeface="Monaco" charset="0"/>
-              </a:rPr>
-              <a:t>  </a:t>
-            </a:r>
-            <a:r>
-              <a:rPr lang="is-IS" dirty="0" smtClean="0">
-                <a:latin typeface="Monaco" charset="0"/>
-                <a:ea typeface="Monaco" charset="0"/>
-                <a:cs typeface="Monaco" charset="0"/>
-              </a:rPr>
-              <a:t>ozone   3.98 </a:t>
-            </a:r>
-            <a:r>
-              <a:rPr lang="is-IS" dirty="0">
-                <a:latin typeface="Monaco" charset="0"/>
-                <a:ea typeface="Monaco" charset="0"/>
-                <a:cs typeface="Monaco" charset="0"/>
-              </a:rPr>
-              <a:t>4.36 4.79 4.99 </a:t>
-            </a:r>
-            <a:r>
-              <a:rPr lang="is-IS" dirty="0" smtClean="0">
-                <a:latin typeface="Monaco" charset="0"/>
-                <a:ea typeface="Monaco" charset="0"/>
-                <a:cs typeface="Monaco" charset="0"/>
-              </a:rPr>
-              <a:t>5.03</a:t>
-            </a:r>
-            <a:endParaRPr lang="is-IS" dirty="0">
-              <a:latin typeface="Monaco" charset="0"/>
-              <a:ea typeface="Monaco" charset="0"/>
-              <a:cs typeface="Monaco" charset="0"/>
-            </a:endParaRPr>
-          </a:p>
-        </p:txBody>
-      </p:sp>
-    </p:spTree>
-    <p:extLst>
-      <p:ext uri="{BB962C8B-B14F-4D97-AF65-F5344CB8AC3E}">
-        <p14:creationId xmlns:p14="http://schemas.microsoft.com/office/powerpoint/2010/main" val="2006571181"/>
-      </p:ext>
-    </p:extLst>
-  </p:cSld>
-  <p:clrMapOvr>
-    <a:masterClrMapping/>
-  </p:clrMapOvr>
-  <mc:AlternateContent xmlns:mc="http://schemas.openxmlformats.org/markup-compatibility/2006" xmlns:p14="http://schemas.microsoft.com/office/powerpoint/2010/main">
-    <mc:Choice Requires="p14">
-      <p:transition spd="slow" p14:dur="2000"/>
-    </mc:Choice>
-    <mc:Fallback xmlns="">
-      <p:transition spd="slow"/>
-    </mc:Fallback>
-  </mc:AlternateContent>
-  <p:timing>
-    <p:tnLst>
-      <p:par>
-        <p:cTn id="1" dur="indefinite" restart="never" nodeType="tmRoot">
-          <p:childTnLst>
-            <p:seq concurrent="1" nextAc="seek">
-              <p:cTn id="2" dur="indefinite" nodeType="mainSeq">
-                <p:childTnLst>
-                  <p:par>
-                    <p:cTn id="3" fill="hold">
-                      <p:stCondLst>
-                        <p:cond delay="indefinite"/>
-                      </p:stCondLst>
-                      <p:childTnLst>
-                        <p:par>
-                          <p:cTn id="4" fill="hold">
-                            <p:stCondLst>
-                              <p:cond delay="0"/>
-                            </p:stCondLst>
-                            <p:childTnLst>
-                              <p:par>
-                                <p:cTn id="5" presetID="1" presetClass="entr" presetSubtype="0" fill="hold" grpId="0" nodeType="clickEffect">
-                                  <p:stCondLst>
-                                    <p:cond delay="0"/>
-                                  </p:stCondLst>
-                                  <p:childTnLst>
-                                    <p:set>
-                                      <p:cBhvr>
-                                        <p:cTn id="6" dur="1" fill="hold">
-                                          <p:stCondLst>
-                                            <p:cond delay="0"/>
-                                          </p:stCondLst>
-                                        </p:cTn>
-                                        <p:tgtEl>
-                                          <p:spTgt spid="4"/>
-                                        </p:tgtEl>
-                                        <p:attrNameLst>
-                                          <p:attrName>style.visibility</p:attrName>
-                                        </p:attrNameLst>
-                                      </p:cBhvr>
-                                      <p:to>
-                                        <p:strVal val="visible"/>
-                                      </p:to>
-                                    </p:set>
-                                  </p:childTnLst>
-                                </p:cTn>
-                              </p:par>
-                            </p:childTnLst>
-                          </p:cTn>
-                        </p:par>
-                      </p:childTnLst>
-                    </p:cTn>
-                  </p:par>
-                </p:childTnLst>
-              </p:cTn>
-              <p:prevCondLst>
-                <p:cond evt="onPrev" delay="0">
-                  <p:tgtEl>
-                    <p:sldTgt/>
-                  </p:tgtEl>
-                </p:cond>
-              </p:prevCondLst>
-              <p:nextCondLst>
-                <p:cond evt="onNext" delay="0">
-                  <p:tgtEl>
-                    <p:sldTgt/>
-                  </p:tgtEl>
-                </p:cond>
-              </p:nextCondLst>
-            </p:seq>
-          </p:childTnLst>
-        </p:cTn>
-      </p:par>
-    </p:tnLst>
-    <p:bldLst>
-      <p:bldP spid="4" grpId="0"/>
-    </p:bldLst>
-  </p:timing>
-</p:sld>
-</file>
-
 <file path=ppt/slides/slide9.xml><?xml version="1.0" encoding="utf-8"?>
 <p:sld xmlns:a="http://schemas.openxmlformats.org/drawingml/2006/main" xmlns:r="http://schemas.openxmlformats.org/officeDocument/2006/relationships" xmlns:p="http://schemas.openxmlformats.org/presentationml/2006/main">
   <p:cSld>
@@ -9804,15 +9943,11 @@
                 <a:ea typeface="Monaco" charset="0"/>
                 <a:cs typeface="Monaco" charset="0"/>
               </a:rPr>
-              <a:t>unite() </a:t>
-            </a:r>
-            <a:r>
-              <a:rPr lang="mr-IN" dirty="0" smtClean="0"/>
-              <a:t>…</a:t>
+              <a:t>separate() </a:t>
             </a:r>
             <a:r>
               <a:rPr lang="en-US" dirty="0" smtClean="0"/>
-              <a:t>unites columns</a:t>
+              <a:t>separates columns</a:t>
             </a:r>
             <a:endParaRPr lang="en-US" dirty="0"/>
           </a:p>
@@ -10238,7 +10373,7 @@
     </p:spTree>
     <p:extLst>
       <p:ext uri="{BB962C8B-B14F-4D97-AF65-F5344CB8AC3E}">
-        <p14:creationId xmlns:p14="http://schemas.microsoft.com/office/powerpoint/2010/main" val="358646579"/>
+        <p14:creationId xmlns:p14="http://schemas.microsoft.com/office/powerpoint/2010/main" val="2006571181"/>
       </p:ext>
     </p:extLst>
   </p:cSld>
